--- a/images/boolean.pptx
+++ b/images/boolean.pptx
@@ -104,6 +104,22 @@
       </a:defRPr>
     </a:lvl9pPr>
   </p:defaultTextStyle>
+  <p:extLst>
+    <p:ext uri="{EFAFB233-063F-42B5-8137-9DF3F51BA10A}">
+      <p15:sldGuideLst xmlns:p15="http://schemas.microsoft.com/office/powerpoint/2012/main">
+        <p15:guide id="1" orient="horz" pos="2160">
+          <p15:clr>
+            <a:srgbClr val="A4A3A4"/>
+          </p15:clr>
+        </p15:guide>
+        <p15:guide id="2" pos="2880">
+          <p15:clr>
+            <a:srgbClr val="A4A3A4"/>
+          </p15:clr>
+        </p15:guide>
+      </p15:sldGuideLst>
+    </p:ext>
+  </p:extLst>
 </p:presentation>
 </file>
 
@@ -288,7 +304,7 @@
           <a:p>
             <a:fld id="{DFC34B24-AB35-BC45-B2F5-54A0DD500FFC}" type="datetimeFigureOut">
               <a:rPr lang="en-US" smtClean="0"/>
-              <a:t>8/17/15</a:t>
+              <a:t>1/4/17</a:t>
             </a:fld>
             <a:endParaRPr lang="en-US"/>
           </a:p>
@@ -458,7 +474,7 @@
           <a:p>
             <a:fld id="{DFC34B24-AB35-BC45-B2F5-54A0DD500FFC}" type="datetimeFigureOut">
               <a:rPr lang="en-US" smtClean="0"/>
-              <a:t>8/17/15</a:t>
+              <a:t>1/4/17</a:t>
             </a:fld>
             <a:endParaRPr lang="en-US"/>
           </a:p>
@@ -638,7 +654,7 @@
           <a:p>
             <a:fld id="{DFC34B24-AB35-BC45-B2F5-54A0DD500FFC}" type="datetimeFigureOut">
               <a:rPr lang="en-US" smtClean="0"/>
-              <a:t>8/17/15</a:t>
+              <a:t>1/4/17</a:t>
             </a:fld>
             <a:endParaRPr lang="en-US"/>
           </a:p>
@@ -808,7 +824,7 @@
           <a:p>
             <a:fld id="{DFC34B24-AB35-BC45-B2F5-54A0DD500FFC}" type="datetimeFigureOut">
               <a:rPr lang="en-US" smtClean="0"/>
-              <a:t>8/17/15</a:t>
+              <a:t>1/4/17</a:t>
             </a:fld>
             <a:endParaRPr lang="en-US"/>
           </a:p>
@@ -1054,7 +1070,7 @@
           <a:p>
             <a:fld id="{DFC34B24-AB35-BC45-B2F5-54A0DD500FFC}" type="datetimeFigureOut">
               <a:rPr lang="en-US" smtClean="0"/>
-              <a:t>8/17/15</a:t>
+              <a:t>1/4/17</a:t>
             </a:fld>
             <a:endParaRPr lang="en-US"/>
           </a:p>
@@ -1342,7 +1358,7 @@
           <a:p>
             <a:fld id="{DFC34B24-AB35-BC45-B2F5-54A0DD500FFC}" type="datetimeFigureOut">
               <a:rPr lang="en-US" smtClean="0"/>
-              <a:t>8/17/15</a:t>
+              <a:t>1/4/17</a:t>
             </a:fld>
             <a:endParaRPr lang="en-US"/>
           </a:p>
@@ -1764,7 +1780,7 @@
           <a:p>
             <a:fld id="{DFC34B24-AB35-BC45-B2F5-54A0DD500FFC}" type="datetimeFigureOut">
               <a:rPr lang="en-US" smtClean="0"/>
-              <a:t>8/17/15</a:t>
+              <a:t>1/4/17</a:t>
             </a:fld>
             <a:endParaRPr lang="en-US"/>
           </a:p>
@@ -1882,7 +1898,7 @@
           <a:p>
             <a:fld id="{DFC34B24-AB35-BC45-B2F5-54A0DD500FFC}" type="datetimeFigureOut">
               <a:rPr lang="en-US" smtClean="0"/>
-              <a:t>8/17/15</a:t>
+              <a:t>1/4/17</a:t>
             </a:fld>
             <a:endParaRPr lang="en-US"/>
           </a:p>
@@ -1977,7 +1993,7 @@
           <a:p>
             <a:fld id="{DFC34B24-AB35-BC45-B2F5-54A0DD500FFC}" type="datetimeFigureOut">
               <a:rPr lang="en-US" smtClean="0"/>
-              <a:t>8/17/15</a:t>
+              <a:t>1/4/17</a:t>
             </a:fld>
             <a:endParaRPr lang="en-US"/>
           </a:p>
@@ -2254,7 +2270,7 @@
           <a:p>
             <a:fld id="{DFC34B24-AB35-BC45-B2F5-54A0DD500FFC}" type="datetimeFigureOut">
               <a:rPr lang="en-US" smtClean="0"/>
-              <a:t>8/17/15</a:t>
+              <a:t>1/4/17</a:t>
             </a:fld>
             <a:endParaRPr lang="en-US"/>
           </a:p>
@@ -2507,7 +2523,7 @@
           <a:p>
             <a:fld id="{DFC34B24-AB35-BC45-B2F5-54A0DD500FFC}" type="datetimeFigureOut">
               <a:rPr lang="en-US" smtClean="0"/>
-              <a:t>8/17/15</a:t>
+              <a:t>1/4/17</a:t>
             </a:fld>
             <a:endParaRPr lang="en-US"/>
           </a:p>
@@ -2720,7 +2736,7 @@
           <a:p>
             <a:fld id="{DFC34B24-AB35-BC45-B2F5-54A0DD500FFC}" type="datetimeFigureOut">
               <a:rPr lang="en-US" smtClean="0"/>
-              <a:t>8/17/15</a:t>
+              <a:t>1/4/17</a:t>
             </a:fld>
             <a:endParaRPr lang="en-US"/>
           </a:p>
@@ -3110,7 +3126,7 @@
             <a:avLst/>
           </a:prstGeom>
           <a:solidFill>
-            <a:schemeClr val="accent2"/>
+            <a:srgbClr val="00B0F0"/>
           </a:solidFill>
           <a:ln w="28575" cmpd="sng">
             <a:solidFill>
@@ -3157,7 +3173,7 @@
             <a:avLst/>
           </a:prstGeom>
           <a:solidFill>
-            <a:srgbClr val="FFFF00"/>
+            <a:schemeClr val="accent6"/>
           </a:solidFill>
           <a:ln w="28575" cmpd="sng">
             <a:solidFill>
@@ -3204,55 +3220,8 @@
             <a:avLst/>
           </a:prstGeom>
           <a:solidFill>
-            <a:schemeClr val="accent2"/>
-          </a:solidFill>
-          <a:ln w="28575" cmpd="sng">
-            <a:solidFill>
-              <a:schemeClr val="tx1"/>
-            </a:solidFill>
-          </a:ln>
-          <a:effectLst/>
-        </p:spPr>
-        <p:style>
-          <a:lnRef idx="1">
-            <a:schemeClr val="accent1"/>
-          </a:lnRef>
-          <a:fillRef idx="3">
-            <a:schemeClr val="accent1"/>
-          </a:fillRef>
-          <a:effectRef idx="2">
-            <a:schemeClr val="accent1"/>
-          </a:effectRef>
-          <a:fontRef idx="minor">
-            <a:schemeClr val="lt1"/>
-          </a:fontRef>
-        </p:style>
-        <p:txBody>
-          <a:bodyPr rtlCol="0" anchor="ctr"/>
-          <a:lstStyle/>
-          <a:p>
-            <a:pPr algn="ctr"/>
-            <a:endParaRPr lang="en-US"/>
-          </a:p>
-        </p:txBody>
-      </p:sp>
-      <p:sp>
-        <p:nvSpPr>
-          <p:cNvPr id="8" name="Oval 7"/>
-          <p:cNvSpPr/>
-          <p:nvPr/>
-        </p:nvSpPr>
-        <p:spPr>
-          <a:xfrm>
-            <a:off x="3410992" y="2603928"/>
-            <a:ext cx="1919613" cy="1772188"/>
-          </a:xfrm>
-          <a:prstGeom prst="ellipse">
-            <a:avLst/>
-          </a:prstGeom>
-          <a:solidFill>
-            <a:srgbClr val="FFFF00">
-              <a:alpha val="46000"/>
+            <a:srgbClr val="00B0F0">
+              <a:alpha val="50196"/>
             </a:srgbClr>
           </a:solidFill>
           <a:ln w="28575" cmpd="sng">
@@ -3287,20 +3256,22 @@
       </p:sp>
       <p:sp>
         <p:nvSpPr>
-          <p:cNvPr id="9" name="Oval 8"/>
+          <p:cNvPr id="8" name="Oval 7"/>
           <p:cNvSpPr/>
           <p:nvPr/>
         </p:nvSpPr>
         <p:spPr>
           <a:xfrm>
-            <a:off x="2451186" y="4720503"/>
+            <a:off x="3410992" y="2603928"/>
             <a:ext cx="1919613" cy="1772188"/>
           </a:xfrm>
           <a:prstGeom prst="ellipse">
             <a:avLst/>
           </a:prstGeom>
           <a:solidFill>
-            <a:schemeClr val="accent2"/>
+            <a:srgbClr val="F79646">
+              <a:alpha val="50196"/>
+            </a:srgbClr>
           </a:solidFill>
           <a:ln w="28575" cmpd="sng">
             <a:solidFill>
@@ -3334,20 +3305,20 @@
       </p:sp>
       <p:sp>
         <p:nvSpPr>
-          <p:cNvPr id="10" name="Oval 9"/>
+          <p:cNvPr id="9" name="Oval 8"/>
           <p:cNvSpPr/>
           <p:nvPr/>
         </p:nvSpPr>
         <p:spPr>
           <a:xfrm>
-            <a:off x="3410992" y="4720503"/>
+            <a:off x="2451186" y="4720503"/>
             <a:ext cx="1919613" cy="1772188"/>
           </a:xfrm>
           <a:prstGeom prst="ellipse">
             <a:avLst/>
           </a:prstGeom>
           <a:solidFill>
-            <a:srgbClr val="FFFF00"/>
+            <a:srgbClr val="00B0F0"/>
           </a:solidFill>
           <a:ln w="28575" cmpd="sng">
             <a:solidFill>
@@ -3381,6 +3352,53 @@
       </p:sp>
       <p:sp>
         <p:nvSpPr>
+          <p:cNvPr id="10" name="Oval 9"/>
+          <p:cNvSpPr/>
+          <p:nvPr/>
+        </p:nvSpPr>
+        <p:spPr>
+          <a:xfrm>
+            <a:off x="3410992" y="4720503"/>
+            <a:ext cx="1919613" cy="1772188"/>
+          </a:xfrm>
+          <a:prstGeom prst="ellipse">
+            <a:avLst/>
+          </a:prstGeom>
+          <a:solidFill>
+            <a:schemeClr val="accent6"/>
+          </a:solidFill>
+          <a:ln w="28575" cmpd="sng">
+            <a:solidFill>
+              <a:schemeClr val="tx1"/>
+            </a:solidFill>
+          </a:ln>
+          <a:effectLst/>
+        </p:spPr>
+        <p:style>
+          <a:lnRef idx="1">
+            <a:schemeClr val="accent1"/>
+          </a:lnRef>
+          <a:fillRef idx="3">
+            <a:schemeClr val="accent1"/>
+          </a:fillRef>
+          <a:effectRef idx="2">
+            <a:schemeClr val="accent1"/>
+          </a:effectRef>
+          <a:fontRef idx="minor">
+            <a:schemeClr val="lt1"/>
+          </a:fontRef>
+        </p:style>
+        <p:txBody>
+          <a:bodyPr rtlCol="0" anchor="ctr"/>
+          <a:lstStyle/>
+          <a:p>
+            <a:pPr algn="ctr"/>
+            <a:endParaRPr lang="en-US"/>
+          </a:p>
+        </p:txBody>
+      </p:sp>
+      <p:sp>
+        <p:nvSpPr>
           <p:cNvPr id="11" name="TextBox 10"/>
           <p:cNvSpPr txBox="1"/>
           <p:nvPr/>
@@ -3652,7 +3670,7 @@
         <p:spPr>
           <a:xfrm>
             <a:off x="6432789" y="1174900"/>
-            <a:ext cx="1894995" cy="400110"/>
+            <a:ext cx="2093843" cy="400110"/>
           </a:xfrm>
           <a:prstGeom prst="rect">
             <a:avLst/>
@@ -3666,18 +3684,25 @@
           <a:lstStyle/>
           <a:p>
             <a:r>
-              <a:rPr lang="en-US" sz="2000" b="1" dirty="0">
-                <a:latin typeface="Arial"/>
-                <a:cs typeface="Arial"/>
-              </a:rPr>
-              <a:t>r</a:t>
-            </a:r>
-            <a:r>
               <a:rPr lang="en-US" sz="2000" b="1" dirty="0" smtClean="0">
                 <a:latin typeface="Arial"/>
                 <a:cs typeface="Arial"/>
               </a:rPr>
-              <a:t>ed OR yellow</a:t>
+              <a:t>blue </a:t>
+            </a:r>
+            <a:r>
+              <a:rPr lang="en-US" sz="2000" b="1" dirty="0" smtClean="0">
+                <a:latin typeface="Arial"/>
+                <a:cs typeface="Arial"/>
+              </a:rPr>
+              <a:t>OR </a:t>
+            </a:r>
+            <a:r>
+              <a:rPr lang="en-US" sz="2000" b="1" dirty="0" smtClean="0">
+                <a:latin typeface="Arial"/>
+                <a:cs typeface="Arial"/>
+              </a:rPr>
+              <a:t>orange</a:t>
             </a:r>
             <a:endParaRPr lang="en-US" sz="2000" b="1" dirty="0">
               <a:latin typeface="Arial"/>
@@ -3695,7 +3720,7 @@
         <p:spPr>
           <a:xfrm>
             <a:off x="6432789" y="3213670"/>
-            <a:ext cx="2056422" cy="400110"/>
+            <a:ext cx="2257477" cy="400110"/>
           </a:xfrm>
           <a:prstGeom prst="rect">
             <a:avLst/>
@@ -3709,18 +3734,32 @@
           <a:lstStyle/>
           <a:p>
             <a:r>
-              <a:rPr lang="en-US" sz="2000" b="1" dirty="0">
-                <a:latin typeface="Arial"/>
-                <a:cs typeface="Arial"/>
-              </a:rPr>
-              <a:t>r</a:t>
-            </a:r>
-            <a:r>
               <a:rPr lang="en-US" sz="2000" b="1" dirty="0" smtClean="0">
                 <a:latin typeface="Arial"/>
                 <a:cs typeface="Arial"/>
               </a:rPr>
-              <a:t>ed AND yellow</a:t>
+              <a:t>blue</a:t>
+            </a:r>
+            <a:r>
+              <a:rPr lang="en-US" sz="2000" b="1" dirty="0" smtClean="0">
+                <a:latin typeface="Arial"/>
+                <a:cs typeface="Arial"/>
+              </a:rPr>
+              <a:t> </a:t>
+            </a:r>
+            <a:r>
+              <a:rPr lang="en-US" sz="2000" b="1" dirty="0" smtClean="0">
+                <a:latin typeface="Arial"/>
+                <a:cs typeface="Arial"/>
+              </a:rPr>
+              <a:t>AND </a:t>
+            </a:r>
+            <a:r>
+              <a:rPr lang="en-US" sz="2000" b="1" dirty="0" smtClean="0">
+                <a:latin typeface="Arial"/>
+                <a:cs typeface="Arial"/>
+              </a:rPr>
+              <a:t>orange</a:t>
             </a:r>
             <a:endParaRPr lang="en-US" sz="2000" b="1" dirty="0">
               <a:latin typeface="Arial"/>
@@ -3738,7 +3777,7 @@
         <p:spPr>
           <a:xfrm>
             <a:off x="6432789" y="5418855"/>
-            <a:ext cx="2051663" cy="400110"/>
+            <a:ext cx="2250937" cy="400110"/>
           </a:xfrm>
           <a:prstGeom prst="rect">
             <a:avLst/>
@@ -3752,90 +3791,25 @@
           <a:lstStyle/>
           <a:p>
             <a:r>
-              <a:rPr lang="en-US" sz="2000" b="1" dirty="0">
-                <a:latin typeface="Arial"/>
-                <a:cs typeface="Arial"/>
-              </a:rPr>
-              <a:t>r</a:t>
-            </a:r>
-            <a:r>
               <a:rPr lang="en-US" sz="2000" b="1" dirty="0" smtClean="0">
                 <a:latin typeface="Arial"/>
                 <a:cs typeface="Arial"/>
               </a:rPr>
-              <a:t>ed NOT yellow</a:t>
-            </a:r>
-            <a:endParaRPr lang="en-US" sz="2000" b="1" dirty="0">
-              <a:latin typeface="Arial"/>
-              <a:cs typeface="Arial"/>
-            </a:endParaRPr>
-          </a:p>
-        </p:txBody>
-      </p:sp>
-      <p:sp>
-        <p:nvSpPr>
-          <p:cNvPr id="23" name="TextBox 22"/>
-          <p:cNvSpPr txBox="1"/>
-          <p:nvPr/>
-        </p:nvSpPr>
-        <p:spPr>
-          <a:xfrm>
-            <a:off x="1943262" y="89029"/>
-            <a:ext cx="1395935" cy="400110"/>
-          </a:xfrm>
-          <a:prstGeom prst="rect">
-            <a:avLst/>
-          </a:prstGeom>
-          <a:noFill/>
-        </p:spPr>
-        <p:txBody>
-          <a:bodyPr wrap="none" rtlCol="0">
-            <a:spAutoFit/>
-          </a:bodyPr>
-          <a:lstStyle/>
-          <a:p>
-            <a:r>
-              <a:rPr lang="en-US" sz="2000" b="1" dirty="0" err="1" smtClean="0">
-                <a:latin typeface="Arial"/>
-                <a:cs typeface="Arial"/>
-              </a:rPr>
-              <a:t>helminths</a:t>
-            </a:r>
-            <a:endParaRPr lang="en-US" sz="2000" b="1" dirty="0">
-              <a:latin typeface="Arial"/>
-              <a:cs typeface="Arial"/>
-            </a:endParaRPr>
-          </a:p>
-        </p:txBody>
-      </p:sp>
-      <p:sp>
-        <p:nvSpPr>
-          <p:cNvPr id="24" name="TextBox 23"/>
-          <p:cNvSpPr txBox="1"/>
-          <p:nvPr/>
-        </p:nvSpPr>
-        <p:spPr>
-          <a:xfrm>
-            <a:off x="4370799" y="89029"/>
-            <a:ext cx="1168008" cy="400110"/>
-          </a:xfrm>
-          <a:prstGeom prst="rect">
-            <a:avLst/>
-          </a:prstGeom>
-          <a:noFill/>
-        </p:spPr>
-        <p:txBody>
-          <a:bodyPr wrap="none" rtlCol="0">
-            <a:spAutoFit/>
-          </a:bodyPr>
-          <a:lstStyle/>
-          <a:p>
+              <a:t>blue </a:t>
+            </a:r>
             <a:r>
               <a:rPr lang="en-US" sz="2000" b="1" dirty="0" smtClean="0">
                 <a:latin typeface="Arial"/>
                 <a:cs typeface="Arial"/>
               </a:rPr>
-              <a:t>humans</a:t>
+              <a:t>NOT </a:t>
+            </a:r>
+            <a:r>
+              <a:rPr lang="en-US" sz="2000" b="1" dirty="0" smtClean="0">
+                <a:latin typeface="Arial"/>
+                <a:cs typeface="Arial"/>
+              </a:rPr>
+              <a:t>orange</a:t>
             </a:r>
             <a:endParaRPr lang="en-US" sz="2000" b="1" dirty="0">
               <a:latin typeface="Arial"/>
